--- a/kurs/ai-for-nybegynnere/modul2-chatgpt-grunnleggende/modul2.pptx
+++ b/kurs/ai-for-nybegynnere/modul2-chatgpt-grunnleggende/modul2.pptx
@@ -1063,43 +1063,6 @@
         </a:p>
       </dgm:t>
     </dgm:pt>
-    <dgm:pt modelId="{E6A0EEF2-0B08-4B4D-ACAC-90E4DEF7704E}">
-      <dgm:prSet/>
-      <dgm:spPr/>
-      <dgm:t>
-        <a:bodyPr/>
-        <a:lstStyle/>
-        <a:p>
-          <a:r>
-            <a:rPr lang="nb-NO"/>
-            <a:t>------------------</a:t>
-          </a:r>
-          <a:endParaRPr lang="en-US"/>
-        </a:p>
-      </dgm:t>
-    </dgm:pt>
-    <dgm:pt modelId="{C06FB3B0-1A8D-46A5-9457-BF19084B5739}" type="parTrans" cxnId="{D3BF2C13-17C9-4ABA-BBE0-AB9056F8C6FE}">
-      <dgm:prSet/>
-      <dgm:spPr/>
-      <dgm:t>
-        <a:bodyPr/>
-        <a:lstStyle/>
-        <a:p>
-          <a:endParaRPr lang="en-US"/>
-        </a:p>
-      </dgm:t>
-    </dgm:pt>
-    <dgm:pt modelId="{B7BC769A-96E5-4957-A46E-BABBD668682C}" type="sibTrans" cxnId="{D3BF2C13-17C9-4ABA-BBE0-AB9056F8C6FE}">
-      <dgm:prSet/>
-      <dgm:spPr/>
-      <dgm:t>
-        <a:bodyPr/>
-        <a:lstStyle/>
-        <a:p>
-          <a:endParaRPr lang="en-US"/>
-        </a:p>
-      </dgm:t>
-    </dgm:pt>
     <dgm:pt modelId="{9A4021DB-BAF8-4209-BDD4-CB0F17979406}">
       <dgm:prSet/>
       <dgm:spPr/>
@@ -1107,6 +1070,11 @@
         <a:bodyPr/>
         <a:lstStyle/>
         <a:p>
+          <a:pPr>
+            <a:lnSpc>
+              <a:spcPct val="100000"/>
+            </a:lnSpc>
+          </a:pPr>
           <a:r>
             <a:rPr lang="nb-NO" dirty="0"/>
             <a:t>- Gå til https://chat.openai.com</a:t>
@@ -1144,6 +1112,11 @@
         <a:bodyPr/>
         <a:lstStyle/>
         <a:p>
+          <a:pPr>
+            <a:lnSpc>
+              <a:spcPct val="100000"/>
+            </a:lnSpc>
+          </a:pPr>
           <a:r>
             <a:rPr lang="nb-NO" dirty="0"/>
             <a:t>- Registrer deg med e-post eller Google-konto</a:t>
@@ -1181,6 +1154,11 @@
         <a:bodyPr/>
         <a:lstStyle/>
         <a:p>
+          <a:pPr>
+            <a:lnSpc>
+              <a:spcPct val="100000"/>
+            </a:lnSpc>
+          </a:pPr>
           <a:r>
             <a:rPr lang="nb-NO"/>
             <a:t>- Logg inn og du ser et enkelt tekstfelt – dette er hvor du skriver</a:t>
@@ -1220,16 +1198,16 @@
       </dgm:prSet>
       <dgm:spPr/>
     </dgm:pt>
-    <dgm:pt modelId="{78FCB7C1-3D0D-4BB3-AA9C-A781482DE6F2}" type="pres">
-      <dgm:prSet presAssocID="{E6A0EEF2-0B08-4B4D-ACAC-90E4DEF7704E}" presName="compNode" presStyleCnt="0"/>
+    <dgm:pt modelId="{85668D46-9429-4161-8D36-BAB4089DB2D6}" type="pres">
+      <dgm:prSet presAssocID="{9A4021DB-BAF8-4209-BDD4-CB0F17979406}" presName="compNode" presStyleCnt="0"/>
       <dgm:spPr/>
     </dgm:pt>
-    <dgm:pt modelId="{E2BBEE3A-43C5-4DA4-B953-3396EF337533}" type="pres">
-      <dgm:prSet presAssocID="{E6A0EEF2-0B08-4B4D-ACAC-90E4DEF7704E}" presName="bgRect" presStyleLbl="bgShp" presStyleIdx="0" presStyleCnt="4"/>
+    <dgm:pt modelId="{6BDFBFD6-9FCF-4C8B-A971-1311E4F4045D}" type="pres">
+      <dgm:prSet presAssocID="{9A4021DB-BAF8-4209-BDD4-CB0F17979406}" presName="bgRect" presStyleLbl="bgShp" presStyleIdx="0" presStyleCnt="3"/>
       <dgm:spPr/>
     </dgm:pt>
-    <dgm:pt modelId="{2D191E38-E354-42EE-8BF3-8FE7A8626EC2}" type="pres">
-      <dgm:prSet presAssocID="{E6A0EEF2-0B08-4B4D-ACAC-90E4DEF7704E}" presName="iconRect" presStyleLbl="node1" presStyleIdx="0" presStyleCnt="4"/>
+    <dgm:pt modelId="{176F57D4-B890-4A39-9315-8CC6696AB49A}" type="pres">
+      <dgm:prSet presAssocID="{9A4021DB-BAF8-4209-BDD4-CB0F17979406}" presName="iconRect" presStyleLbl="node1" presStyleIdx="0" presStyleCnt="3"/>
       <dgm:spPr>
         <a:blipFill>
           <a:blip xmlns:r="http://schemas.openxmlformats.org/officeDocument/2006/relationships" r:embed="rId1">
@@ -1252,16 +1230,16 @@
       </dgm:spPr>
       <dgm:extLst>
         <a:ext uri="{E40237B7-FDA0-4F09-8148-C483321AD2D9}">
-          <dgm14:cNvPr xmlns:dgm14="http://schemas.microsoft.com/office/drawing/2010/diagram" id="0" name="" descr="Credit card"/>
+          <dgm14:cNvPr xmlns:dgm14="http://schemas.microsoft.com/office/drawing/2010/diagram" id="0" name="" descr="Markør"/>
         </a:ext>
       </dgm:extLst>
     </dgm:pt>
-    <dgm:pt modelId="{9E951481-763C-42B8-A856-5F696C748308}" type="pres">
-      <dgm:prSet presAssocID="{E6A0EEF2-0B08-4B4D-ACAC-90E4DEF7704E}" presName="spaceRect" presStyleCnt="0"/>
+    <dgm:pt modelId="{98F18580-F39E-4F65-B1BC-BA44D74C192A}" type="pres">
+      <dgm:prSet presAssocID="{9A4021DB-BAF8-4209-BDD4-CB0F17979406}" presName="spaceRect" presStyleCnt="0"/>
       <dgm:spPr/>
     </dgm:pt>
-    <dgm:pt modelId="{26C22F2C-5805-4710-BCE3-C49315602A5F}" type="pres">
-      <dgm:prSet presAssocID="{E6A0EEF2-0B08-4B4D-ACAC-90E4DEF7704E}" presName="parTx" presStyleLbl="revTx" presStyleIdx="0" presStyleCnt="4">
+    <dgm:pt modelId="{FBB30C2E-BBB6-4AE6-8667-384FC188AE84}" type="pres">
+      <dgm:prSet presAssocID="{9A4021DB-BAF8-4209-BDD4-CB0F17979406}" presName="parTx" presStyleLbl="revTx" presStyleIdx="0" presStyleCnt="3">
         <dgm:presLayoutVars>
           <dgm:chMax val="0"/>
           <dgm:chPref val="0"/>
@@ -1269,20 +1247,20 @@
       </dgm:prSet>
       <dgm:spPr/>
     </dgm:pt>
-    <dgm:pt modelId="{9B6794E3-E4A3-44C0-A45E-476840062795}" type="pres">
-      <dgm:prSet presAssocID="{B7BC769A-96E5-4957-A46E-BABBD668682C}" presName="sibTrans" presStyleCnt="0"/>
+    <dgm:pt modelId="{A3F5E431-A33E-4FC1-B3A6-9CE2DE3E18F3}" type="pres">
+      <dgm:prSet presAssocID="{E5E86475-4501-4767-9387-827526BE5420}" presName="sibTrans" presStyleCnt="0"/>
       <dgm:spPr/>
     </dgm:pt>
-    <dgm:pt modelId="{85668D46-9429-4161-8D36-BAB4089DB2D6}" type="pres">
-      <dgm:prSet presAssocID="{9A4021DB-BAF8-4209-BDD4-CB0F17979406}" presName="compNode" presStyleCnt="0"/>
+    <dgm:pt modelId="{68E00052-7296-46D3-9046-2FF80DC8977D}" type="pres">
+      <dgm:prSet presAssocID="{3ED4CFF5-DDE6-4789-846B-4A9A7C92C2D1}" presName="compNode" presStyleCnt="0"/>
       <dgm:spPr/>
     </dgm:pt>
-    <dgm:pt modelId="{6BDFBFD6-9FCF-4C8B-A971-1311E4F4045D}" type="pres">
-      <dgm:prSet presAssocID="{9A4021DB-BAF8-4209-BDD4-CB0F17979406}" presName="bgRect" presStyleLbl="bgShp" presStyleIdx="1" presStyleCnt="4"/>
+    <dgm:pt modelId="{752DC50F-2E5E-4BA0-95B2-CD12444104F2}" type="pres">
+      <dgm:prSet presAssocID="{3ED4CFF5-DDE6-4789-846B-4A9A7C92C2D1}" presName="bgRect" presStyleLbl="bgShp" presStyleIdx="1" presStyleCnt="3"/>
       <dgm:spPr/>
     </dgm:pt>
-    <dgm:pt modelId="{176F57D4-B890-4A39-9315-8CC6696AB49A}" type="pres">
-      <dgm:prSet presAssocID="{9A4021DB-BAF8-4209-BDD4-CB0F17979406}" presName="iconRect" presStyleLbl="node1" presStyleIdx="1" presStyleCnt="4"/>
+    <dgm:pt modelId="{83BF8891-0849-4C17-B59A-DEF6E42CDC9B}" type="pres">
+      <dgm:prSet presAssocID="{3ED4CFF5-DDE6-4789-846B-4A9A7C92C2D1}" presName="iconRect" presStyleLbl="node1" presStyleIdx="1" presStyleCnt="3"/>
       <dgm:spPr>
         <a:blipFill>
           <a:blip xmlns:r="http://schemas.openxmlformats.org/officeDocument/2006/relationships" r:embed="rId3">
@@ -1305,16 +1283,16 @@
       </dgm:spPr>
       <dgm:extLst>
         <a:ext uri="{E40237B7-FDA0-4F09-8148-C483321AD2D9}">
-          <dgm14:cNvPr xmlns:dgm14="http://schemas.microsoft.com/office/drawing/2010/diagram" id="0" name="" descr="Markør"/>
+          <dgm14:cNvPr xmlns:dgm14="http://schemas.microsoft.com/office/drawing/2010/diagram" id="0" name="" descr="Konvolutt"/>
         </a:ext>
       </dgm:extLst>
     </dgm:pt>
-    <dgm:pt modelId="{98F18580-F39E-4F65-B1BC-BA44D74C192A}" type="pres">
-      <dgm:prSet presAssocID="{9A4021DB-BAF8-4209-BDD4-CB0F17979406}" presName="spaceRect" presStyleCnt="0"/>
+    <dgm:pt modelId="{581D940E-153F-44FA-9C03-011D51C79BF5}" type="pres">
+      <dgm:prSet presAssocID="{3ED4CFF5-DDE6-4789-846B-4A9A7C92C2D1}" presName="spaceRect" presStyleCnt="0"/>
       <dgm:spPr/>
     </dgm:pt>
-    <dgm:pt modelId="{FBB30C2E-BBB6-4AE6-8667-384FC188AE84}" type="pres">
-      <dgm:prSet presAssocID="{9A4021DB-BAF8-4209-BDD4-CB0F17979406}" presName="parTx" presStyleLbl="revTx" presStyleIdx="1" presStyleCnt="4">
+    <dgm:pt modelId="{EAC29599-CDC8-48B9-971C-5FA485BA881B}" type="pres">
+      <dgm:prSet presAssocID="{3ED4CFF5-DDE6-4789-846B-4A9A7C92C2D1}" presName="parTx" presStyleLbl="revTx" presStyleIdx="1" presStyleCnt="3">
         <dgm:presLayoutVars>
           <dgm:chMax val="0"/>
           <dgm:chPref val="0"/>
@@ -1322,20 +1300,20 @@
       </dgm:prSet>
       <dgm:spPr/>
     </dgm:pt>
-    <dgm:pt modelId="{A3F5E431-A33E-4FC1-B3A6-9CE2DE3E18F3}" type="pres">
-      <dgm:prSet presAssocID="{E5E86475-4501-4767-9387-827526BE5420}" presName="sibTrans" presStyleCnt="0"/>
+    <dgm:pt modelId="{41339566-AD6B-4D1A-B565-F79885D28D8B}" type="pres">
+      <dgm:prSet presAssocID="{585AFFA6-FAB8-4FFD-B099-8B819E6747BE}" presName="sibTrans" presStyleCnt="0"/>
       <dgm:spPr/>
     </dgm:pt>
-    <dgm:pt modelId="{68E00052-7296-46D3-9046-2FF80DC8977D}" type="pres">
-      <dgm:prSet presAssocID="{3ED4CFF5-DDE6-4789-846B-4A9A7C92C2D1}" presName="compNode" presStyleCnt="0"/>
+    <dgm:pt modelId="{FE057752-DBE4-4B7C-BBDB-38188A698F36}" type="pres">
+      <dgm:prSet presAssocID="{C6BAD1C9-D1C2-4349-8A66-8A2F676C81BC}" presName="compNode" presStyleCnt="0"/>
       <dgm:spPr/>
     </dgm:pt>
-    <dgm:pt modelId="{752DC50F-2E5E-4BA0-95B2-CD12444104F2}" type="pres">
-      <dgm:prSet presAssocID="{3ED4CFF5-DDE6-4789-846B-4A9A7C92C2D1}" presName="bgRect" presStyleLbl="bgShp" presStyleIdx="2" presStyleCnt="4"/>
+    <dgm:pt modelId="{5BD834DD-D271-4769-9266-BA92C1CE5B8B}" type="pres">
+      <dgm:prSet presAssocID="{C6BAD1C9-D1C2-4349-8A66-8A2F676C81BC}" presName="bgRect" presStyleLbl="bgShp" presStyleIdx="2" presStyleCnt="3"/>
       <dgm:spPr/>
     </dgm:pt>
-    <dgm:pt modelId="{83BF8891-0849-4C17-B59A-DEF6E42CDC9B}" type="pres">
-      <dgm:prSet presAssocID="{3ED4CFF5-DDE6-4789-846B-4A9A7C92C2D1}" presName="iconRect" presStyleLbl="node1" presStyleIdx="2" presStyleCnt="4"/>
+    <dgm:pt modelId="{A0616A16-FECD-4B02-93D0-EBA4821339E6}" type="pres">
+      <dgm:prSet presAssocID="{C6BAD1C9-D1C2-4349-8A66-8A2F676C81BC}" presName="iconRect" presStyleLbl="node1" presStyleIdx="2" presStyleCnt="3"/>
       <dgm:spPr>
         <a:blipFill>
           <a:blip xmlns:r="http://schemas.openxmlformats.org/officeDocument/2006/relationships" r:embed="rId5">
@@ -1358,59 +1336,6 @@
       </dgm:spPr>
       <dgm:extLst>
         <a:ext uri="{E40237B7-FDA0-4F09-8148-C483321AD2D9}">
-          <dgm14:cNvPr xmlns:dgm14="http://schemas.microsoft.com/office/drawing/2010/diagram" id="0" name="" descr="Konvolutt"/>
-        </a:ext>
-      </dgm:extLst>
-    </dgm:pt>
-    <dgm:pt modelId="{581D940E-153F-44FA-9C03-011D51C79BF5}" type="pres">
-      <dgm:prSet presAssocID="{3ED4CFF5-DDE6-4789-846B-4A9A7C92C2D1}" presName="spaceRect" presStyleCnt="0"/>
-      <dgm:spPr/>
-    </dgm:pt>
-    <dgm:pt modelId="{EAC29599-CDC8-48B9-971C-5FA485BA881B}" type="pres">
-      <dgm:prSet presAssocID="{3ED4CFF5-DDE6-4789-846B-4A9A7C92C2D1}" presName="parTx" presStyleLbl="revTx" presStyleIdx="2" presStyleCnt="4">
-        <dgm:presLayoutVars>
-          <dgm:chMax val="0"/>
-          <dgm:chPref val="0"/>
-        </dgm:presLayoutVars>
-      </dgm:prSet>
-      <dgm:spPr/>
-    </dgm:pt>
-    <dgm:pt modelId="{41339566-AD6B-4D1A-B565-F79885D28D8B}" type="pres">
-      <dgm:prSet presAssocID="{585AFFA6-FAB8-4FFD-B099-8B819E6747BE}" presName="sibTrans" presStyleCnt="0"/>
-      <dgm:spPr/>
-    </dgm:pt>
-    <dgm:pt modelId="{FE057752-DBE4-4B7C-BBDB-38188A698F36}" type="pres">
-      <dgm:prSet presAssocID="{C6BAD1C9-D1C2-4349-8A66-8A2F676C81BC}" presName="compNode" presStyleCnt="0"/>
-      <dgm:spPr/>
-    </dgm:pt>
-    <dgm:pt modelId="{5BD834DD-D271-4769-9266-BA92C1CE5B8B}" type="pres">
-      <dgm:prSet presAssocID="{C6BAD1C9-D1C2-4349-8A66-8A2F676C81BC}" presName="bgRect" presStyleLbl="bgShp" presStyleIdx="3" presStyleCnt="4"/>
-      <dgm:spPr/>
-    </dgm:pt>
-    <dgm:pt modelId="{A0616A16-FECD-4B02-93D0-EBA4821339E6}" type="pres">
-      <dgm:prSet presAssocID="{C6BAD1C9-D1C2-4349-8A66-8A2F676C81BC}" presName="iconRect" presStyleLbl="node1" presStyleIdx="3" presStyleCnt="4"/>
-      <dgm:spPr>
-        <a:blipFill>
-          <a:blip xmlns:r="http://schemas.openxmlformats.org/officeDocument/2006/relationships" r:embed="rId7">
-            <a:extLst>
-              <a:ext uri="{28A0092B-C50C-407E-A947-70E740481C1C}">
-                <a14:useLocalDpi xmlns:a14="http://schemas.microsoft.com/office/drawing/2010/main" val="0"/>
-              </a:ext>
-              <a:ext uri="{96DAC541-7B7A-43D3-8B79-37D633B846F1}">
-                <asvg:svgBlip xmlns:asvg="http://schemas.microsoft.com/office/drawing/2016/SVG/main" r:embed="rId8"/>
-              </a:ext>
-            </a:extLst>
-          </a:blip>
-          <a:stretch>
-            <a:fillRect/>
-          </a:stretch>
-        </a:blipFill>
-        <a:ln>
-          <a:noFill/>
-        </a:ln>
-      </dgm:spPr>
-      <dgm:extLst>
-        <a:ext uri="{E40237B7-FDA0-4F09-8148-C483321AD2D9}">
           <dgm14:cNvPr xmlns:dgm14="http://schemas.microsoft.com/office/drawing/2010/diagram" id="0" name="" descr="Web Design"/>
         </a:ext>
       </dgm:extLst>
@@ -1420,7 +1345,7 @@
       <dgm:spPr/>
     </dgm:pt>
     <dgm:pt modelId="{37DCBC30-B171-4BB4-854B-5EBF15912440}" type="pres">
-      <dgm:prSet presAssocID="{C6BAD1C9-D1C2-4349-8A66-8A2F676C81BC}" presName="parTx" presStyleLbl="revTx" presStyleIdx="3" presStyleCnt="4">
+      <dgm:prSet presAssocID="{C6BAD1C9-D1C2-4349-8A66-8A2F676C81BC}" presName="parTx" presStyleLbl="revTx" presStyleIdx="2" presStyleCnt="3">
         <dgm:presLayoutVars>
           <dgm:chMax val="0"/>
           <dgm:chPref val="0"/>
@@ -1430,34 +1355,26 @@
     </dgm:pt>
   </dgm:ptLst>
   <dgm:cxnLst>
-    <dgm:cxn modelId="{D3BF2C13-17C9-4ABA-BBE0-AB9056F8C6FE}" srcId="{EE5B9BF0-8A10-40E0-91B4-5E74DD8A7A27}" destId="{E6A0EEF2-0B08-4B4D-ACAC-90E4DEF7704E}" srcOrd="0" destOrd="0" parTransId="{C06FB3B0-1A8D-46A5-9457-BF19084B5739}" sibTransId="{B7BC769A-96E5-4957-A46E-BABBD668682C}"/>
-    <dgm:cxn modelId="{0A3ADA15-4765-41B3-8A8F-6CFE25EAB3B2}" type="presOf" srcId="{E6A0EEF2-0B08-4B4D-ACAC-90E4DEF7704E}" destId="{26C22F2C-5805-4710-BCE3-C49315602A5F}" srcOrd="0" destOrd="0" presId="urn:microsoft.com/office/officeart/2018/2/layout/IconVerticalSolidList"/>
     <dgm:cxn modelId="{9EFE826B-48BD-44EE-8935-752EA2FF289F}" type="presOf" srcId="{EE5B9BF0-8A10-40E0-91B4-5E74DD8A7A27}" destId="{C8D69E22-D38C-4FFA-99A3-8C590E2931F4}" srcOrd="0" destOrd="0" presId="urn:microsoft.com/office/officeart/2018/2/layout/IconVerticalSolidList"/>
-    <dgm:cxn modelId="{BF4C7A6D-6FCA-4927-B863-D8C167D8F133}" srcId="{EE5B9BF0-8A10-40E0-91B4-5E74DD8A7A27}" destId="{C6BAD1C9-D1C2-4349-8A66-8A2F676C81BC}" srcOrd="3" destOrd="0" parTransId="{938CF6CB-C313-46FE-8B43-241FD485EBF0}" sibTransId="{2B7CB7BF-27E6-42D7-84A6-38314F1D46F3}"/>
+    <dgm:cxn modelId="{BF4C7A6D-6FCA-4927-B863-D8C167D8F133}" srcId="{EE5B9BF0-8A10-40E0-91B4-5E74DD8A7A27}" destId="{C6BAD1C9-D1C2-4349-8A66-8A2F676C81BC}" srcOrd="2" destOrd="0" parTransId="{938CF6CB-C313-46FE-8B43-241FD485EBF0}" sibTransId="{2B7CB7BF-27E6-42D7-84A6-38314F1D46F3}"/>
     <dgm:cxn modelId="{285E3F78-EB18-490C-933F-3CECD3290C81}" type="presOf" srcId="{C6BAD1C9-D1C2-4349-8A66-8A2F676C81BC}" destId="{37DCBC30-B171-4BB4-854B-5EBF15912440}" srcOrd="0" destOrd="0" presId="urn:microsoft.com/office/officeart/2018/2/layout/IconVerticalSolidList"/>
-    <dgm:cxn modelId="{2B2FE37C-B832-41C3-BE80-81E1747F149E}" srcId="{EE5B9BF0-8A10-40E0-91B4-5E74DD8A7A27}" destId="{3ED4CFF5-DDE6-4789-846B-4A9A7C92C2D1}" srcOrd="2" destOrd="0" parTransId="{880CBCA2-FCB1-4AEA-988D-2D6F018B80B6}" sibTransId="{585AFFA6-FAB8-4FFD-B099-8B819E6747BE}"/>
-    <dgm:cxn modelId="{0DCE57B2-AB16-4A61-A75E-9A114A8415DD}" srcId="{EE5B9BF0-8A10-40E0-91B4-5E74DD8A7A27}" destId="{9A4021DB-BAF8-4209-BDD4-CB0F17979406}" srcOrd="1" destOrd="0" parTransId="{9AAF825C-3E46-44F5-AECF-E177EB5A6DE3}" sibTransId="{E5E86475-4501-4767-9387-827526BE5420}"/>
+    <dgm:cxn modelId="{2B2FE37C-B832-41C3-BE80-81E1747F149E}" srcId="{EE5B9BF0-8A10-40E0-91B4-5E74DD8A7A27}" destId="{3ED4CFF5-DDE6-4789-846B-4A9A7C92C2D1}" srcOrd="1" destOrd="0" parTransId="{880CBCA2-FCB1-4AEA-988D-2D6F018B80B6}" sibTransId="{585AFFA6-FAB8-4FFD-B099-8B819E6747BE}"/>
+    <dgm:cxn modelId="{0DCE57B2-AB16-4A61-A75E-9A114A8415DD}" srcId="{EE5B9BF0-8A10-40E0-91B4-5E74DD8A7A27}" destId="{9A4021DB-BAF8-4209-BDD4-CB0F17979406}" srcOrd="0" destOrd="0" parTransId="{9AAF825C-3E46-44F5-AECF-E177EB5A6DE3}" sibTransId="{E5E86475-4501-4767-9387-827526BE5420}"/>
     <dgm:cxn modelId="{B2A47CE2-156E-4785-AD83-C7EEA76043A8}" type="presOf" srcId="{9A4021DB-BAF8-4209-BDD4-CB0F17979406}" destId="{FBB30C2E-BBB6-4AE6-8667-384FC188AE84}" srcOrd="0" destOrd="0" presId="urn:microsoft.com/office/officeart/2018/2/layout/IconVerticalSolidList"/>
     <dgm:cxn modelId="{5FB6DDEB-BA55-4B7D-898F-F98080B92A72}" type="presOf" srcId="{3ED4CFF5-DDE6-4789-846B-4A9A7C92C2D1}" destId="{EAC29599-CDC8-48B9-971C-5FA485BA881B}" srcOrd="0" destOrd="0" presId="urn:microsoft.com/office/officeart/2018/2/layout/IconVerticalSolidList"/>
-    <dgm:cxn modelId="{54C64DB7-A2EC-482C-B74A-CA092942360D}" type="presParOf" srcId="{C8D69E22-D38C-4FFA-99A3-8C590E2931F4}" destId="{78FCB7C1-3D0D-4BB3-AA9C-A781482DE6F2}" srcOrd="0" destOrd="0" presId="urn:microsoft.com/office/officeart/2018/2/layout/IconVerticalSolidList"/>
-    <dgm:cxn modelId="{BBFBF5F2-2243-442B-A1F6-FC216972C3DE}" type="presParOf" srcId="{78FCB7C1-3D0D-4BB3-AA9C-A781482DE6F2}" destId="{E2BBEE3A-43C5-4DA4-B953-3396EF337533}" srcOrd="0" destOrd="0" presId="urn:microsoft.com/office/officeart/2018/2/layout/IconVerticalSolidList"/>
-    <dgm:cxn modelId="{B12BD516-9504-47CB-9266-4392BF9DF18A}" type="presParOf" srcId="{78FCB7C1-3D0D-4BB3-AA9C-A781482DE6F2}" destId="{2D191E38-E354-42EE-8BF3-8FE7A8626EC2}" srcOrd="1" destOrd="0" presId="urn:microsoft.com/office/officeart/2018/2/layout/IconVerticalSolidList"/>
-    <dgm:cxn modelId="{29319374-DD3F-480D-84AE-CADB67470A7F}" type="presParOf" srcId="{78FCB7C1-3D0D-4BB3-AA9C-A781482DE6F2}" destId="{9E951481-763C-42B8-A856-5F696C748308}" srcOrd="2" destOrd="0" presId="urn:microsoft.com/office/officeart/2018/2/layout/IconVerticalSolidList"/>
-    <dgm:cxn modelId="{AF72FBBF-3C98-4F49-ADF6-24DB997B59C1}" type="presParOf" srcId="{78FCB7C1-3D0D-4BB3-AA9C-A781482DE6F2}" destId="{26C22F2C-5805-4710-BCE3-C49315602A5F}" srcOrd="3" destOrd="0" presId="urn:microsoft.com/office/officeart/2018/2/layout/IconVerticalSolidList"/>
-    <dgm:cxn modelId="{9D2C0F2D-D2BA-46BE-91C4-74808945D16E}" type="presParOf" srcId="{C8D69E22-D38C-4FFA-99A3-8C590E2931F4}" destId="{9B6794E3-E4A3-44C0-A45E-476840062795}" srcOrd="1" destOrd="0" presId="urn:microsoft.com/office/officeart/2018/2/layout/IconVerticalSolidList"/>
-    <dgm:cxn modelId="{C9F2696C-D8D6-44B6-AF66-1F223D59222D}" type="presParOf" srcId="{C8D69E22-D38C-4FFA-99A3-8C590E2931F4}" destId="{85668D46-9429-4161-8D36-BAB4089DB2D6}" srcOrd="2" destOrd="0" presId="urn:microsoft.com/office/officeart/2018/2/layout/IconVerticalSolidList"/>
+    <dgm:cxn modelId="{C9F2696C-D8D6-44B6-AF66-1F223D59222D}" type="presParOf" srcId="{C8D69E22-D38C-4FFA-99A3-8C590E2931F4}" destId="{85668D46-9429-4161-8D36-BAB4089DB2D6}" srcOrd="0" destOrd="0" presId="urn:microsoft.com/office/officeart/2018/2/layout/IconVerticalSolidList"/>
     <dgm:cxn modelId="{1DFCECA5-6C04-432F-A596-17B0E4E58D5F}" type="presParOf" srcId="{85668D46-9429-4161-8D36-BAB4089DB2D6}" destId="{6BDFBFD6-9FCF-4C8B-A971-1311E4F4045D}" srcOrd="0" destOrd="0" presId="urn:microsoft.com/office/officeart/2018/2/layout/IconVerticalSolidList"/>
     <dgm:cxn modelId="{E71056C2-B22D-4EFC-AC63-BF64560374CC}" type="presParOf" srcId="{85668D46-9429-4161-8D36-BAB4089DB2D6}" destId="{176F57D4-B890-4A39-9315-8CC6696AB49A}" srcOrd="1" destOrd="0" presId="urn:microsoft.com/office/officeart/2018/2/layout/IconVerticalSolidList"/>
     <dgm:cxn modelId="{13A53ADE-0E5E-4683-A682-E13C367546F2}" type="presParOf" srcId="{85668D46-9429-4161-8D36-BAB4089DB2D6}" destId="{98F18580-F39E-4F65-B1BC-BA44D74C192A}" srcOrd="2" destOrd="0" presId="urn:microsoft.com/office/officeart/2018/2/layout/IconVerticalSolidList"/>
     <dgm:cxn modelId="{B9ABF598-E7EC-417B-AF59-4C4A5F1D8C8D}" type="presParOf" srcId="{85668D46-9429-4161-8D36-BAB4089DB2D6}" destId="{FBB30C2E-BBB6-4AE6-8667-384FC188AE84}" srcOrd="3" destOrd="0" presId="urn:microsoft.com/office/officeart/2018/2/layout/IconVerticalSolidList"/>
-    <dgm:cxn modelId="{CAB9BBB7-3D24-4CA2-A17F-F21D26AEEC17}" type="presParOf" srcId="{C8D69E22-D38C-4FFA-99A3-8C590E2931F4}" destId="{A3F5E431-A33E-4FC1-B3A6-9CE2DE3E18F3}" srcOrd="3" destOrd="0" presId="urn:microsoft.com/office/officeart/2018/2/layout/IconVerticalSolidList"/>
-    <dgm:cxn modelId="{48099231-4E75-4903-A777-B763359AB8A0}" type="presParOf" srcId="{C8D69E22-D38C-4FFA-99A3-8C590E2931F4}" destId="{68E00052-7296-46D3-9046-2FF80DC8977D}" srcOrd="4" destOrd="0" presId="urn:microsoft.com/office/officeart/2018/2/layout/IconVerticalSolidList"/>
+    <dgm:cxn modelId="{CAB9BBB7-3D24-4CA2-A17F-F21D26AEEC17}" type="presParOf" srcId="{C8D69E22-D38C-4FFA-99A3-8C590E2931F4}" destId="{A3F5E431-A33E-4FC1-B3A6-9CE2DE3E18F3}" srcOrd="1" destOrd="0" presId="urn:microsoft.com/office/officeart/2018/2/layout/IconVerticalSolidList"/>
+    <dgm:cxn modelId="{48099231-4E75-4903-A777-B763359AB8A0}" type="presParOf" srcId="{C8D69E22-D38C-4FFA-99A3-8C590E2931F4}" destId="{68E00052-7296-46D3-9046-2FF80DC8977D}" srcOrd="2" destOrd="0" presId="urn:microsoft.com/office/officeart/2018/2/layout/IconVerticalSolidList"/>
     <dgm:cxn modelId="{5B89B22B-A296-4423-B004-8362E7FAA095}" type="presParOf" srcId="{68E00052-7296-46D3-9046-2FF80DC8977D}" destId="{752DC50F-2E5E-4BA0-95B2-CD12444104F2}" srcOrd="0" destOrd="0" presId="urn:microsoft.com/office/officeart/2018/2/layout/IconVerticalSolidList"/>
     <dgm:cxn modelId="{09F7B52D-7AC2-40F0-874B-C72BC47709A5}" type="presParOf" srcId="{68E00052-7296-46D3-9046-2FF80DC8977D}" destId="{83BF8891-0849-4C17-B59A-DEF6E42CDC9B}" srcOrd="1" destOrd="0" presId="urn:microsoft.com/office/officeart/2018/2/layout/IconVerticalSolidList"/>
     <dgm:cxn modelId="{9703DBD3-EE7E-42D4-B7AC-D90B183CEF14}" type="presParOf" srcId="{68E00052-7296-46D3-9046-2FF80DC8977D}" destId="{581D940E-153F-44FA-9C03-011D51C79BF5}" srcOrd="2" destOrd="0" presId="urn:microsoft.com/office/officeart/2018/2/layout/IconVerticalSolidList"/>
     <dgm:cxn modelId="{1F951180-8192-4A40-A931-3FFBE8C639DC}" type="presParOf" srcId="{68E00052-7296-46D3-9046-2FF80DC8977D}" destId="{EAC29599-CDC8-48B9-971C-5FA485BA881B}" srcOrd="3" destOrd="0" presId="urn:microsoft.com/office/officeart/2018/2/layout/IconVerticalSolidList"/>
-    <dgm:cxn modelId="{E1EAE8DD-151A-412F-8FB1-3F8D81025B7F}" type="presParOf" srcId="{C8D69E22-D38C-4FFA-99A3-8C590E2931F4}" destId="{41339566-AD6B-4D1A-B565-F79885D28D8B}" srcOrd="5" destOrd="0" presId="urn:microsoft.com/office/officeart/2018/2/layout/IconVerticalSolidList"/>
-    <dgm:cxn modelId="{CCC643CD-844C-43D7-A249-3F28F1FDBF2A}" type="presParOf" srcId="{C8D69E22-D38C-4FFA-99A3-8C590E2931F4}" destId="{FE057752-DBE4-4B7C-BBDB-38188A698F36}" srcOrd="6" destOrd="0" presId="urn:microsoft.com/office/officeart/2018/2/layout/IconVerticalSolidList"/>
+    <dgm:cxn modelId="{E1EAE8DD-151A-412F-8FB1-3F8D81025B7F}" type="presParOf" srcId="{C8D69E22-D38C-4FFA-99A3-8C590E2931F4}" destId="{41339566-AD6B-4D1A-B565-F79885D28D8B}" srcOrd="3" destOrd="0" presId="urn:microsoft.com/office/officeart/2018/2/layout/IconVerticalSolidList"/>
+    <dgm:cxn modelId="{CCC643CD-844C-43D7-A249-3F28F1FDBF2A}" type="presParOf" srcId="{C8D69E22-D38C-4FFA-99A3-8C590E2931F4}" destId="{FE057752-DBE4-4B7C-BBDB-38188A698F36}" srcOrd="4" destOrd="0" presId="urn:microsoft.com/office/officeart/2018/2/layout/IconVerticalSolidList"/>
     <dgm:cxn modelId="{B13E9DB0-8BD5-4790-B8A6-F40F6DA5EEB7}" type="presParOf" srcId="{FE057752-DBE4-4B7C-BBDB-38188A698F36}" destId="{5BD834DD-D271-4769-9266-BA92C1CE5B8B}" srcOrd="0" destOrd="0" presId="urn:microsoft.com/office/officeart/2018/2/layout/IconVerticalSolidList"/>
     <dgm:cxn modelId="{98F5EC12-1060-4E3F-B7EC-596FDB64C315}" type="presParOf" srcId="{FE057752-DBE4-4B7C-BBDB-38188A698F36}" destId="{A0616A16-FECD-4B02-93D0-EBA4821339E6}" srcOrd="1" destOrd="0" presId="urn:microsoft.com/office/officeart/2018/2/layout/IconVerticalSolidList"/>
     <dgm:cxn modelId="{D6981689-62BB-4521-BEDD-99277CBD9705}" type="presParOf" srcId="{FE057752-DBE4-4B7C-BBDB-38188A698F36}" destId="{B2A44EB7-FE9F-4BB8-B0E7-A76A3ADE8501}" srcOrd="2" destOrd="0" presId="urn:microsoft.com/office/officeart/2018/2/layout/IconVerticalSolidList"/>
@@ -1481,15 +1398,15 @@
       <dsp:cNvGrpSpPr/>
     </dsp:nvGrpSpPr>
     <dsp:grpSpPr/>
-    <dsp:sp modelId="{E2BBEE3A-43C5-4DA4-B953-3396EF337533}">
+    <dsp:sp modelId="{6BDFBFD6-9FCF-4C8B-A971-1311E4F4045D}">
       <dsp:nvSpPr>
         <dsp:cNvPr id="0" name=""/>
         <dsp:cNvSpPr/>
       </dsp:nvSpPr>
       <dsp:spPr>
         <a:xfrm>
-          <a:off x="0" y="1487"/>
-          <a:ext cx="7429499" cy="754078"/>
+          <a:off x="0" y="437"/>
+          <a:ext cx="7429499" cy="1023992"/>
         </a:xfrm>
         <a:prstGeom prst="roundRect">
           <a:avLst>
@@ -1522,15 +1439,15 @@
         <a:fontRef idx="minor"/>
       </dsp:style>
     </dsp:sp>
-    <dsp:sp modelId="{2D191E38-E354-42EE-8BF3-8FE7A8626EC2}">
+    <dsp:sp modelId="{176F57D4-B890-4A39-9315-8CC6696AB49A}">
       <dsp:nvSpPr>
         <dsp:cNvPr id="0" name=""/>
         <dsp:cNvSpPr/>
       </dsp:nvSpPr>
       <dsp:spPr>
         <a:xfrm>
-          <a:off x="228108" y="171155"/>
-          <a:ext cx="414743" cy="414743"/>
+          <a:off x="309757" y="230835"/>
+          <a:ext cx="563196" cy="563196"/>
         </a:xfrm>
         <a:prstGeom prst="rect">
           <a:avLst/>
@@ -1571,15 +1488,15 @@
         </a:fontRef>
       </dsp:style>
     </dsp:sp>
-    <dsp:sp modelId="{26C22F2C-5805-4710-BCE3-C49315602A5F}">
+    <dsp:sp modelId="{FBB30C2E-BBB6-4AE6-8667-384FC188AE84}">
       <dsp:nvSpPr>
         <dsp:cNvPr id="0" name=""/>
         <dsp:cNvSpPr/>
       </dsp:nvSpPr>
       <dsp:spPr>
         <a:xfrm>
-          <a:off x="870961" y="1487"/>
-          <a:ext cx="6558537" cy="754078"/>
+          <a:off x="1182711" y="437"/>
+          <a:ext cx="6246787" cy="1023992"/>
         </a:xfrm>
         <a:prstGeom prst="rect">
           <a:avLst/>
@@ -1603,14 +1520,14 @@
         <a:fontRef idx="minor"/>
       </dsp:style>
       <dsp:txBody>
-        <a:bodyPr spcFirstLastPara="0" vert="horz" wrap="square" lIns="79807" tIns="79807" rIns="79807" bIns="79807" numCol="1" spcCol="1270" anchor="ctr" anchorCtr="0">
+        <a:bodyPr spcFirstLastPara="0" vert="horz" wrap="square" lIns="108373" tIns="108373" rIns="108373" bIns="108373" numCol="1" spcCol="1270" anchor="ctr" anchorCtr="0">
           <a:noAutofit/>
         </a:bodyPr>
         <a:lstStyle/>
         <a:p>
-          <a:pPr marL="0" lvl="0" indent="0" algn="l" defTabSz="977900">
+          <a:pPr marL="0" lvl="0" indent="0" algn="l" defTabSz="1111250">
             <a:lnSpc>
-              <a:spcPct val="90000"/>
+              <a:spcPct val="100000"/>
             </a:lnSpc>
             <a:spcBef>
               <a:spcPct val="0"/>
@@ -1621,26 +1538,26 @@
             <a:buNone/>
           </a:pPr>
           <a:r>
-            <a:rPr lang="nb-NO" sz="2200" kern="1200"/>
-            <a:t>------------------</a:t>
+            <a:rPr lang="nb-NO" sz="2500" kern="1200" dirty="0"/>
+            <a:t>- Gå til https://chat.openai.com</a:t>
           </a:r>
-          <a:endParaRPr lang="en-US" sz="2200" kern="1200"/>
+          <a:endParaRPr lang="en-US" sz="2500" kern="1200" dirty="0"/>
         </a:p>
       </dsp:txBody>
       <dsp:txXfrm>
-        <a:off x="870961" y="1487"/>
-        <a:ext cx="6558537" cy="754078"/>
+        <a:off x="1182711" y="437"/>
+        <a:ext cx="6246787" cy="1023992"/>
       </dsp:txXfrm>
     </dsp:sp>
-    <dsp:sp modelId="{6BDFBFD6-9FCF-4C8B-A971-1311E4F4045D}">
+    <dsp:sp modelId="{752DC50F-2E5E-4BA0-95B2-CD12444104F2}">
       <dsp:nvSpPr>
         <dsp:cNvPr id="0" name=""/>
         <dsp:cNvSpPr/>
       </dsp:nvSpPr>
       <dsp:spPr>
         <a:xfrm>
-          <a:off x="0" y="944086"/>
-          <a:ext cx="7429499" cy="754078"/>
+          <a:off x="0" y="1280428"/>
+          <a:ext cx="7429499" cy="1023992"/>
         </a:xfrm>
         <a:prstGeom prst="roundRect">
           <a:avLst>
@@ -1673,15 +1590,15 @@
         <a:fontRef idx="minor"/>
       </dsp:style>
     </dsp:sp>
-    <dsp:sp modelId="{176F57D4-B890-4A39-9315-8CC6696AB49A}">
+    <dsp:sp modelId="{83BF8891-0849-4C17-B59A-DEF6E42CDC9B}">
       <dsp:nvSpPr>
         <dsp:cNvPr id="0" name=""/>
         <dsp:cNvSpPr/>
       </dsp:nvSpPr>
       <dsp:spPr>
         <a:xfrm>
-          <a:off x="228108" y="1113754"/>
-          <a:ext cx="414743" cy="414743"/>
+          <a:off x="309757" y="1510826"/>
+          <a:ext cx="563196" cy="563196"/>
         </a:xfrm>
         <a:prstGeom prst="rect">
           <a:avLst/>
@@ -1722,15 +1639,15 @@
         </a:fontRef>
       </dsp:style>
     </dsp:sp>
-    <dsp:sp modelId="{FBB30C2E-BBB6-4AE6-8667-384FC188AE84}">
+    <dsp:sp modelId="{EAC29599-CDC8-48B9-971C-5FA485BA881B}">
       <dsp:nvSpPr>
         <dsp:cNvPr id="0" name=""/>
         <dsp:cNvSpPr/>
       </dsp:nvSpPr>
       <dsp:spPr>
         <a:xfrm>
-          <a:off x="870961" y="944086"/>
-          <a:ext cx="6558537" cy="754078"/>
+          <a:off x="1182711" y="1280428"/>
+          <a:ext cx="6246787" cy="1023992"/>
         </a:xfrm>
         <a:prstGeom prst="rect">
           <a:avLst/>
@@ -1754,14 +1671,14 @@
         <a:fontRef idx="minor"/>
       </dsp:style>
       <dsp:txBody>
-        <a:bodyPr spcFirstLastPara="0" vert="horz" wrap="square" lIns="79807" tIns="79807" rIns="79807" bIns="79807" numCol="1" spcCol="1270" anchor="ctr" anchorCtr="0">
+        <a:bodyPr spcFirstLastPara="0" vert="horz" wrap="square" lIns="108373" tIns="108373" rIns="108373" bIns="108373" numCol="1" spcCol="1270" anchor="ctr" anchorCtr="0">
           <a:noAutofit/>
         </a:bodyPr>
         <a:lstStyle/>
         <a:p>
-          <a:pPr marL="0" lvl="0" indent="0" algn="l" defTabSz="977900">
+          <a:pPr marL="0" lvl="0" indent="0" algn="l" defTabSz="1111250">
             <a:lnSpc>
-              <a:spcPct val="90000"/>
+              <a:spcPct val="100000"/>
             </a:lnSpc>
             <a:spcBef>
               <a:spcPct val="0"/>
@@ -1772,26 +1689,26 @@
             <a:buNone/>
           </a:pPr>
           <a:r>
-            <a:rPr lang="nb-NO" sz="2200" kern="1200" dirty="0"/>
-            <a:t>- Gå til https://chat.openai.com</a:t>
+            <a:rPr lang="nb-NO" sz="2500" kern="1200" dirty="0"/>
+            <a:t>- Registrer deg med e-post eller Google-konto</a:t>
           </a:r>
-          <a:endParaRPr lang="en-US" sz="2200" kern="1200" dirty="0"/>
+          <a:endParaRPr lang="en-US" sz="2500" kern="1200" dirty="0"/>
         </a:p>
       </dsp:txBody>
       <dsp:txXfrm>
-        <a:off x="870961" y="944086"/>
-        <a:ext cx="6558537" cy="754078"/>
+        <a:off x="1182711" y="1280428"/>
+        <a:ext cx="6246787" cy="1023992"/>
       </dsp:txXfrm>
     </dsp:sp>
-    <dsp:sp modelId="{752DC50F-2E5E-4BA0-95B2-CD12444104F2}">
+    <dsp:sp modelId="{5BD834DD-D271-4769-9266-BA92C1CE5B8B}">
       <dsp:nvSpPr>
         <dsp:cNvPr id="0" name=""/>
         <dsp:cNvSpPr/>
       </dsp:nvSpPr>
       <dsp:spPr>
         <a:xfrm>
-          <a:off x="0" y="1886684"/>
-          <a:ext cx="7429499" cy="754078"/>
+          <a:off x="0" y="2560419"/>
+          <a:ext cx="7429499" cy="1023992"/>
         </a:xfrm>
         <a:prstGeom prst="roundRect">
           <a:avLst>
@@ -1824,15 +1741,15 @@
         <a:fontRef idx="minor"/>
       </dsp:style>
     </dsp:sp>
-    <dsp:sp modelId="{83BF8891-0849-4C17-B59A-DEF6E42CDC9B}">
+    <dsp:sp modelId="{A0616A16-FECD-4B02-93D0-EBA4821339E6}">
       <dsp:nvSpPr>
         <dsp:cNvPr id="0" name=""/>
         <dsp:cNvSpPr/>
       </dsp:nvSpPr>
       <dsp:spPr>
         <a:xfrm>
-          <a:off x="228108" y="2056352"/>
-          <a:ext cx="414743" cy="414743"/>
+          <a:off x="309757" y="2790817"/>
+          <a:ext cx="563196" cy="563196"/>
         </a:xfrm>
         <a:prstGeom prst="rect">
           <a:avLst/>
@@ -1873,15 +1790,15 @@
         </a:fontRef>
       </dsp:style>
     </dsp:sp>
-    <dsp:sp modelId="{EAC29599-CDC8-48B9-971C-5FA485BA881B}">
+    <dsp:sp modelId="{37DCBC30-B171-4BB4-854B-5EBF15912440}">
       <dsp:nvSpPr>
         <dsp:cNvPr id="0" name=""/>
         <dsp:cNvSpPr/>
       </dsp:nvSpPr>
       <dsp:spPr>
         <a:xfrm>
-          <a:off x="870961" y="1886684"/>
-          <a:ext cx="6558537" cy="754078"/>
+          <a:off x="1182711" y="2560419"/>
+          <a:ext cx="6246787" cy="1023992"/>
         </a:xfrm>
         <a:prstGeom prst="rect">
           <a:avLst/>
@@ -1905,14 +1822,14 @@
         <a:fontRef idx="minor"/>
       </dsp:style>
       <dsp:txBody>
-        <a:bodyPr spcFirstLastPara="0" vert="horz" wrap="square" lIns="79807" tIns="79807" rIns="79807" bIns="79807" numCol="1" spcCol="1270" anchor="ctr" anchorCtr="0">
+        <a:bodyPr spcFirstLastPara="0" vert="horz" wrap="square" lIns="108373" tIns="108373" rIns="108373" bIns="108373" numCol="1" spcCol="1270" anchor="ctr" anchorCtr="0">
           <a:noAutofit/>
         </a:bodyPr>
         <a:lstStyle/>
         <a:p>
-          <a:pPr marL="0" lvl="0" indent="0" algn="l" defTabSz="977900">
+          <a:pPr marL="0" lvl="0" indent="0" algn="l" defTabSz="1111250">
             <a:lnSpc>
-              <a:spcPct val="90000"/>
+              <a:spcPct val="100000"/>
             </a:lnSpc>
             <a:spcBef>
               <a:spcPct val="0"/>
@@ -1923,166 +1840,15 @@
             <a:buNone/>
           </a:pPr>
           <a:r>
-            <a:rPr lang="nb-NO" sz="2200" kern="1200" dirty="0"/>
-            <a:t>- Registrer deg med e-post eller Google-konto</a:t>
+            <a:rPr lang="nb-NO" sz="2500" kern="1200"/>
+            <a:t>- Logg inn og du ser et enkelt tekstfelt – dette er hvor du skriver</a:t>
           </a:r>
-          <a:endParaRPr lang="en-US" sz="2200" kern="1200" dirty="0"/>
+          <a:endParaRPr lang="en-US" sz="2500" kern="1200"/>
         </a:p>
       </dsp:txBody>
       <dsp:txXfrm>
-        <a:off x="870961" y="1886684"/>
-        <a:ext cx="6558537" cy="754078"/>
-      </dsp:txXfrm>
-    </dsp:sp>
-    <dsp:sp modelId="{5BD834DD-D271-4769-9266-BA92C1CE5B8B}">
-      <dsp:nvSpPr>
-        <dsp:cNvPr id="0" name=""/>
-        <dsp:cNvSpPr/>
-      </dsp:nvSpPr>
-      <dsp:spPr>
-        <a:xfrm>
-          <a:off x="0" y="2829283"/>
-          <a:ext cx="7429499" cy="754078"/>
-        </a:xfrm>
-        <a:prstGeom prst="roundRect">
-          <a:avLst>
-            <a:gd name="adj" fmla="val 10000"/>
-          </a:avLst>
-        </a:prstGeom>
-        <a:solidFill>
-          <a:schemeClr val="accent5">
-            <a:hueOff val="0"/>
-            <a:satOff val="0"/>
-            <a:lumOff val="0"/>
-            <a:alphaOff val="0"/>
-          </a:schemeClr>
-        </a:solidFill>
-        <a:ln>
-          <a:noFill/>
-        </a:ln>
-        <a:effectLst/>
-      </dsp:spPr>
-      <dsp:style>
-        <a:lnRef idx="0">
-          <a:scrgbClr r="0" g="0" b="0"/>
-        </a:lnRef>
-        <a:fillRef idx="1">
-          <a:scrgbClr r="0" g="0" b="0"/>
-        </a:fillRef>
-        <a:effectRef idx="0">
-          <a:scrgbClr r="0" g="0" b="0"/>
-        </a:effectRef>
-        <a:fontRef idx="minor"/>
-      </dsp:style>
-    </dsp:sp>
-    <dsp:sp modelId="{A0616A16-FECD-4B02-93D0-EBA4821339E6}">
-      <dsp:nvSpPr>
-        <dsp:cNvPr id="0" name=""/>
-        <dsp:cNvSpPr/>
-      </dsp:nvSpPr>
-      <dsp:spPr>
-        <a:xfrm>
-          <a:off x="228108" y="2998951"/>
-          <a:ext cx="414743" cy="414743"/>
-        </a:xfrm>
-        <a:prstGeom prst="rect">
-          <a:avLst/>
-        </a:prstGeom>
-        <a:blipFill>
-          <a:blip xmlns:r="http://schemas.openxmlformats.org/officeDocument/2006/relationships" r:embed="rId7">
-            <a:extLst>
-              <a:ext uri="{28A0092B-C50C-407E-A947-70E740481C1C}">
-                <a14:useLocalDpi xmlns:a14="http://schemas.microsoft.com/office/drawing/2010/main" val="0"/>
-              </a:ext>
-              <a:ext uri="{96DAC541-7B7A-43D3-8B79-37D633B846F1}">
-                <asvg:svgBlip xmlns:asvg="http://schemas.microsoft.com/office/drawing/2016/SVG/main" r:embed="rId8"/>
-              </a:ext>
-            </a:extLst>
-          </a:blip>
-          <a:stretch>
-            <a:fillRect/>
-          </a:stretch>
-        </a:blipFill>
-        <a:ln w="15875" cap="flat" cmpd="sng" algn="ctr">
-          <a:noFill/>
-          <a:prstDash val="solid"/>
-        </a:ln>
-        <a:effectLst/>
-      </dsp:spPr>
-      <dsp:style>
-        <a:lnRef idx="2">
-          <a:scrgbClr r="0" g="0" b="0"/>
-        </a:lnRef>
-        <a:fillRef idx="1">
-          <a:scrgbClr r="0" g="0" b="0"/>
-        </a:fillRef>
-        <a:effectRef idx="0">
-          <a:scrgbClr r="0" g="0" b="0"/>
-        </a:effectRef>
-        <a:fontRef idx="minor">
-          <a:schemeClr val="lt1"/>
-        </a:fontRef>
-      </dsp:style>
-    </dsp:sp>
-    <dsp:sp modelId="{37DCBC30-B171-4BB4-854B-5EBF15912440}">
-      <dsp:nvSpPr>
-        <dsp:cNvPr id="0" name=""/>
-        <dsp:cNvSpPr/>
-      </dsp:nvSpPr>
-      <dsp:spPr>
-        <a:xfrm>
-          <a:off x="870961" y="2829283"/>
-          <a:ext cx="6558537" cy="754078"/>
-        </a:xfrm>
-        <a:prstGeom prst="rect">
-          <a:avLst/>
-        </a:prstGeom>
-        <a:noFill/>
-        <a:ln>
-          <a:noFill/>
-        </a:ln>
-        <a:effectLst/>
-      </dsp:spPr>
-      <dsp:style>
-        <a:lnRef idx="0">
-          <a:scrgbClr r="0" g="0" b="0"/>
-        </a:lnRef>
-        <a:fillRef idx="0">
-          <a:scrgbClr r="0" g="0" b="0"/>
-        </a:fillRef>
-        <a:effectRef idx="0">
-          <a:scrgbClr r="0" g="0" b="0"/>
-        </a:effectRef>
-        <a:fontRef idx="minor"/>
-      </dsp:style>
-      <dsp:txBody>
-        <a:bodyPr spcFirstLastPara="0" vert="horz" wrap="square" lIns="79807" tIns="79807" rIns="79807" bIns="79807" numCol="1" spcCol="1270" anchor="ctr" anchorCtr="0">
-          <a:noAutofit/>
-        </a:bodyPr>
-        <a:lstStyle/>
-        <a:p>
-          <a:pPr marL="0" lvl="0" indent="0" algn="l" defTabSz="977900">
-            <a:lnSpc>
-              <a:spcPct val="90000"/>
-            </a:lnSpc>
-            <a:spcBef>
-              <a:spcPct val="0"/>
-            </a:spcBef>
-            <a:spcAft>
-              <a:spcPct val="35000"/>
-            </a:spcAft>
-            <a:buNone/>
-          </a:pPr>
-          <a:r>
-            <a:rPr lang="nb-NO" sz="2200" kern="1200"/>
-            <a:t>- Logg inn og du ser et enkelt tekstfelt – dette er hvor du skriver</a:t>
-          </a:r>
-          <a:endParaRPr lang="en-US" sz="2200" kern="1200"/>
-        </a:p>
-      </dsp:txBody>
-      <dsp:txXfrm>
-        <a:off x="870961" y="2829283"/>
-        <a:ext cx="6558537" cy="754078"/>
+        <a:off x="1182711" y="2560419"/>
+        <a:ext cx="6246787" cy="1023992"/>
       </dsp:txXfrm>
     </dsp:sp>
   </dsp:spTree>
@@ -7700,7 +7466,7 @@
           <a:p>
             <a:fld id="{5BCAD085-E8A6-8845-BD4E-CB4CCA059FC4}" type="datetimeFigureOut">
               <a:rPr lang="en-US" smtClean="0"/>
-              <a:t>6/19/2025</a:t>
+              <a:t>6/27/2025</a:t>
             </a:fld>
             <a:endParaRPr lang="en-US"/>
           </a:p>
@@ -7967,7 +7733,7 @@
           <a:p>
             <a:fld id="{5BCAD085-E8A6-8845-BD4E-CB4CCA059FC4}" type="datetimeFigureOut">
               <a:rPr lang="en-US" smtClean="0"/>
-              <a:t>6/19/2025</a:t>
+              <a:t>6/27/2025</a:t>
             </a:fld>
             <a:endParaRPr lang="en-US"/>
           </a:p>
@@ -8163,7 +7929,7 @@
           <a:p>
             <a:fld id="{5BCAD085-E8A6-8845-BD4E-CB4CCA059FC4}" type="datetimeFigureOut">
               <a:rPr lang="en-US" smtClean="0"/>
-              <a:t>6/19/2025</a:t>
+              <a:t>6/27/2025</a:t>
             </a:fld>
             <a:endParaRPr lang="en-US"/>
           </a:p>
@@ -8426,7 +8192,7 @@
           <a:p>
             <a:fld id="{5BCAD085-E8A6-8845-BD4E-CB4CCA059FC4}" type="datetimeFigureOut">
               <a:rPr lang="en-US" smtClean="0"/>
-              <a:t>6/19/2025</a:t>
+              <a:t>6/27/2025</a:t>
             </a:fld>
             <a:endParaRPr lang="en-US"/>
           </a:p>
@@ -8860,7 +8626,7 @@
           <a:p>
             <a:fld id="{5BCAD085-E8A6-8845-BD4E-CB4CCA059FC4}" type="datetimeFigureOut">
               <a:rPr lang="en-US" smtClean="0"/>
-              <a:t>6/19/2025</a:t>
+              <a:t>6/27/2025</a:t>
             </a:fld>
             <a:endParaRPr lang="en-US"/>
           </a:p>
@@ -9406,7 +9172,7 @@
           <a:p>
             <a:fld id="{5BCAD085-E8A6-8845-BD4E-CB4CCA059FC4}" type="datetimeFigureOut">
               <a:rPr lang="en-US" smtClean="0"/>
-              <a:t>6/19/2025</a:t>
+              <a:t>6/27/2025</a:t>
             </a:fld>
             <a:endParaRPr lang="en-US"/>
           </a:p>
@@ -10126,7 +9892,7 @@
           <a:p>
             <a:fld id="{5BCAD085-E8A6-8845-BD4E-CB4CCA059FC4}" type="datetimeFigureOut">
               <a:rPr lang="en-US" smtClean="0"/>
-              <a:t>6/19/2025</a:t>
+              <a:t>6/27/2025</a:t>
             </a:fld>
             <a:endParaRPr lang="en-US"/>
           </a:p>
@@ -10300,7 +10066,7 @@
           <a:p>
             <a:fld id="{5BCAD085-E8A6-8845-BD4E-CB4CCA059FC4}" type="datetimeFigureOut">
               <a:rPr lang="en-US" smtClean="0"/>
-              <a:t>6/19/2025</a:t>
+              <a:t>6/27/2025</a:t>
             </a:fld>
             <a:endParaRPr lang="en-US"/>
           </a:p>
@@ -10480,7 +10246,7 @@
           <a:p>
             <a:fld id="{5BCAD085-E8A6-8845-BD4E-CB4CCA059FC4}" type="datetimeFigureOut">
               <a:rPr lang="en-US" smtClean="0"/>
-              <a:t>6/19/2025</a:t>
+              <a:t>6/27/2025</a:t>
             </a:fld>
             <a:endParaRPr lang="en-US"/>
           </a:p>
@@ -10665,7 +10431,7 @@
           <a:p>
             <a:fld id="{5BCAD085-E8A6-8845-BD4E-CB4CCA059FC4}" type="datetimeFigureOut">
               <a:rPr lang="en-US" smtClean="0"/>
-              <a:t>6/19/2025</a:t>
+              <a:t>6/27/2025</a:t>
             </a:fld>
             <a:endParaRPr lang="en-US"/>
           </a:p>
@@ -10925,7 +10691,7 @@
           <a:p>
             <a:fld id="{5BCAD085-E8A6-8845-BD4E-CB4CCA059FC4}" type="datetimeFigureOut">
               <a:rPr lang="en-US" smtClean="0"/>
-              <a:t>6/19/2025</a:t>
+              <a:t>6/27/2025</a:t>
             </a:fld>
             <a:endParaRPr lang="en-US"/>
           </a:p>
@@ -11157,7 +10923,7 @@
           <a:p>
             <a:fld id="{5BCAD085-E8A6-8845-BD4E-CB4CCA059FC4}" type="datetimeFigureOut">
               <a:rPr lang="en-US" smtClean="0"/>
-              <a:t>6/19/2025</a:t>
+              <a:t>6/27/2025</a:t>
             </a:fld>
             <a:endParaRPr lang="en-US"/>
           </a:p>
@@ -11538,7 +11304,7 @@
           <a:p>
             <a:fld id="{5BCAD085-E8A6-8845-BD4E-CB4CCA059FC4}" type="datetimeFigureOut">
               <a:rPr lang="en-US" smtClean="0"/>
-              <a:t>6/19/2025</a:t>
+              <a:t>6/27/2025</a:t>
             </a:fld>
             <a:endParaRPr lang="en-US"/>
           </a:p>
@@ -11656,7 +11422,7 @@
           <a:p>
             <a:fld id="{5BCAD085-E8A6-8845-BD4E-CB4CCA059FC4}" type="datetimeFigureOut">
               <a:rPr lang="en-US" smtClean="0"/>
-              <a:t>6/19/2025</a:t>
+              <a:t>6/27/2025</a:t>
             </a:fld>
             <a:endParaRPr lang="en-US"/>
           </a:p>
@@ -11751,7 +11517,7 @@
           <a:p>
             <a:fld id="{5BCAD085-E8A6-8845-BD4E-CB4CCA059FC4}" type="datetimeFigureOut">
               <a:rPr lang="en-US" smtClean="0"/>
-              <a:t>6/19/2025</a:t>
+              <a:t>6/27/2025</a:t>
             </a:fld>
             <a:endParaRPr lang="en-US"/>
           </a:p>
@@ -12000,7 +11766,7 @@
           <a:p>
             <a:fld id="{5BCAD085-E8A6-8845-BD4E-CB4CCA059FC4}" type="datetimeFigureOut">
               <a:rPr lang="en-US" smtClean="0"/>
-              <a:t>6/19/2025</a:t>
+              <a:t>6/27/2025</a:t>
             </a:fld>
             <a:endParaRPr lang="en-US"/>
           </a:p>
@@ -12252,7 +12018,7 @@
           <a:p>
             <a:fld id="{5BCAD085-E8A6-8845-BD4E-CB4CCA059FC4}" type="datetimeFigureOut">
               <a:rPr lang="en-US" smtClean="0"/>
-              <a:t>6/19/2025</a:t>
+              <a:t>6/27/2025</a:t>
             </a:fld>
             <a:endParaRPr lang="en-US"/>
           </a:p>
@@ -15336,7 +15102,7 @@
           <a:p>
             <a:fld id="{5BCAD085-E8A6-8845-BD4E-CB4CCA059FC4}" type="datetimeFigureOut">
               <a:rPr lang="en-US" smtClean="0"/>
-              <a:t>6/19/2025</a:t>
+              <a:t>6/27/2025</a:t>
             </a:fld>
             <a:endParaRPr lang="en-US"/>
           </a:p>
@@ -26824,7 +26590,7 @@
             <p:ph idx="1"/>
             <p:extLst>
               <p:ext uri="{D42A27DB-BD31-4B8C-83A1-F6EECF244321}">
-                <p14:modId xmlns:p14="http://schemas.microsoft.com/office/powerpoint/2010/main" val="2402557192"/>
+                <p14:modId xmlns:p14="http://schemas.microsoft.com/office/powerpoint/2010/main" val="1096870231"/>
               </p:ext>
             </p:extLst>
           </p:nvPr>
@@ -26880,8 +26646,22 @@
           <a:lstStyle/>
           <a:p>
             <a:r>
-              <a:t>2. Forstå grensesnittet</a:t>
+              <a:rPr dirty="0"/>
+              <a:t>2. </a:t>
             </a:r>
+            <a:r>
+              <a:rPr dirty="0" err="1"/>
+              <a:t>Forstå</a:t>
+            </a:r>
+            <a:r>
+              <a:rPr dirty="0"/>
+              <a:t> </a:t>
+            </a:r>
+            <a:r>
+              <a:rPr dirty="0" err="1"/>
+              <a:t>grensesnittet</a:t>
+            </a:r>
+            <a:endParaRPr dirty="0"/>
           </a:p>
         </p:txBody>
       </p:sp>
@@ -26900,29 +26680,142 @@
           <a:bodyPr/>
           <a:lstStyle/>
           <a:p>
-            <a:r>
-              <a:t>------------------------</a:t>
-            </a:r>
+            <a:pPr marL="0" indent="0">
+              <a:buNone/>
+            </a:pPr>
+            <a:endParaRPr dirty="0"/>
           </a:p>
           <a:p>
             <a:r>
-              <a:t>- Skriv i tekstfeltet</a:t>
+              <a:rPr dirty="0"/>
+              <a:t>- </a:t>
             </a:r>
+            <a:r>
+              <a:rPr dirty="0" err="1"/>
+              <a:t>Skriv</a:t>
+            </a:r>
+            <a:r>
+              <a:rPr dirty="0"/>
+              <a:t> </a:t>
+            </a:r>
+            <a:r>
+              <a:rPr dirty="0" err="1"/>
+              <a:t>i</a:t>
+            </a:r>
+            <a:r>
+              <a:rPr dirty="0"/>
+              <a:t> </a:t>
+            </a:r>
+            <a:r>
+              <a:rPr dirty="0" err="1"/>
+              <a:t>tekstfeltet</a:t>
+            </a:r>
+            <a:endParaRPr dirty="0"/>
           </a:p>
           <a:p>
             <a:r>
-              <a:t>- Trykk "Enter" for å få svar</a:t>
+              <a:rPr dirty="0"/>
+              <a:t>- </a:t>
             </a:r>
+            <a:r>
+              <a:rPr dirty="0" err="1"/>
+              <a:t>Trykk</a:t>
+            </a:r>
+            <a:r>
+              <a:rPr dirty="0"/>
+              <a:t> "Enter" for å </a:t>
+            </a:r>
+            <a:r>
+              <a:rPr dirty="0" err="1"/>
+              <a:t>få</a:t>
+            </a:r>
+            <a:r>
+              <a:rPr dirty="0"/>
+              <a:t> </a:t>
+            </a:r>
+            <a:r>
+              <a:rPr dirty="0" err="1"/>
+              <a:t>svar</a:t>
+            </a:r>
+            <a:endParaRPr dirty="0"/>
           </a:p>
           <a:p>
             <a:r>
-              <a:t>- ChatGPT svarer med sammenhengende tekst</a:t>
+              <a:rPr dirty="0"/>
+              <a:t>- ChatGPT </a:t>
             </a:r>
+            <a:r>
+              <a:rPr dirty="0" err="1"/>
+              <a:t>svarer</a:t>
+            </a:r>
+            <a:r>
+              <a:rPr dirty="0"/>
+              <a:t> med </a:t>
+            </a:r>
+            <a:r>
+              <a:rPr dirty="0" err="1"/>
+              <a:t>sammenhengende</a:t>
+            </a:r>
+            <a:r>
+              <a:rPr dirty="0"/>
+              <a:t> </a:t>
+            </a:r>
+            <a:r>
+              <a:rPr dirty="0" err="1"/>
+              <a:t>tekst</a:t>
+            </a:r>
+            <a:endParaRPr dirty="0"/>
           </a:p>
           <a:p>
             <a:r>
-              <a:t>- Du kan stille oppfølgingsspørsmål i samme samtale</a:t>
+              <a:rPr dirty="0"/>
+              <a:t>- Du </a:t>
             </a:r>
+            <a:r>
+              <a:rPr dirty="0" err="1"/>
+              <a:t>kan</a:t>
+            </a:r>
+            <a:r>
+              <a:rPr dirty="0"/>
+              <a:t> </a:t>
+            </a:r>
+            <a:r>
+              <a:rPr dirty="0" err="1"/>
+              <a:t>stille</a:t>
+            </a:r>
+            <a:r>
+              <a:rPr dirty="0"/>
+              <a:t> </a:t>
+            </a:r>
+            <a:r>
+              <a:rPr dirty="0" err="1"/>
+              <a:t>oppfølgingsspørsmål</a:t>
+            </a:r>
+            <a:r>
+              <a:rPr dirty="0"/>
+              <a:t> </a:t>
+            </a:r>
+            <a:r>
+              <a:rPr dirty="0" err="1"/>
+              <a:t>i</a:t>
+            </a:r>
+            <a:r>
+              <a:rPr dirty="0"/>
+              <a:t> </a:t>
+            </a:r>
+            <a:r>
+              <a:rPr dirty="0" err="1"/>
+              <a:t>samme</a:t>
+            </a:r>
+            <a:r>
+              <a:rPr dirty="0"/>
+              <a:t> </a:t>
+            </a:r>
+            <a:r>
+              <a:rPr dirty="0" err="1"/>
+              <a:t>samtale</a:t>
+            </a:r>
+            <a:endParaRPr dirty="0"/>
           </a:p>
         </p:txBody>
       </p:sp>
@@ -26987,23 +26880,131 @@
           <a:bodyPr/>
           <a:lstStyle/>
           <a:p>
+            <a:pPr marL="0" indent="0">
+              <a:buNone/>
+            </a:pPr>
+            <a:endParaRPr dirty="0"/>
+          </a:p>
+          <a:p>
             <a:r>
-              <a:t>-------------------------------</a:t>
+              <a:rPr dirty="0"/>
+              <a:t>- “Lag </a:t>
+            </a:r>
+            <a:r>
+              <a:rPr dirty="0" err="1"/>
+              <a:t>en</a:t>
+            </a:r>
+            <a:r>
+              <a:rPr dirty="0"/>
+              <a:t> </a:t>
+            </a:r>
+            <a:r>
+              <a:rPr dirty="0" err="1"/>
+              <a:t>middagsplan</a:t>
+            </a:r>
+            <a:r>
+              <a:rPr dirty="0"/>
+              <a:t> for </a:t>
+            </a:r>
+            <a:r>
+              <a:rPr dirty="0" err="1"/>
+              <a:t>uken</a:t>
+            </a:r>
+            <a:r>
+              <a:rPr dirty="0"/>
+              <a:t>”</a:t>
             </a:r>
           </a:p>
           <a:p>
             <a:r>
-              <a:t>- “Lag en middagsplan for uken”</a:t>
+              <a:rPr dirty="0"/>
+              <a:t>- “</a:t>
+            </a:r>
+            <a:r>
+              <a:rPr dirty="0" err="1"/>
+              <a:t>Skriv</a:t>
+            </a:r>
+            <a:r>
+              <a:rPr dirty="0"/>
+              <a:t> </a:t>
+            </a:r>
+            <a:r>
+              <a:rPr dirty="0" err="1"/>
+              <a:t>en</a:t>
+            </a:r>
+            <a:r>
+              <a:rPr dirty="0"/>
+              <a:t> </a:t>
+            </a:r>
+            <a:r>
+              <a:rPr dirty="0" err="1"/>
+              <a:t>høflig</a:t>
+            </a:r>
+            <a:r>
+              <a:rPr dirty="0"/>
+              <a:t> e-post </a:t>
+            </a:r>
+            <a:r>
+              <a:rPr dirty="0" err="1"/>
+              <a:t>til</a:t>
+            </a:r>
+            <a:r>
+              <a:rPr dirty="0"/>
+              <a:t> </a:t>
+            </a:r>
+            <a:r>
+              <a:rPr dirty="0" err="1"/>
+              <a:t>sjefen</a:t>
+            </a:r>
+            <a:r>
+              <a:rPr dirty="0"/>
+              <a:t> min”</a:t>
             </a:r>
           </a:p>
           <a:p>
             <a:r>
-              <a:t>- “Skriv en høflig e-post til sjefen min”</a:t>
+              <a:rPr dirty="0"/>
+              <a:t>- “Gi meg 5 </a:t>
             </a:r>
-          </a:p>
-          <a:p>
             <a:r>
-              <a:t>- “Gi meg 5 forslag til navn på en hund”</a:t>
+              <a:rPr dirty="0" err="1"/>
+              <a:t>forslag</a:t>
+            </a:r>
+            <a:r>
+              <a:rPr dirty="0"/>
+              <a:t> </a:t>
+            </a:r>
+            <a:r>
+              <a:rPr dirty="0" err="1"/>
+              <a:t>til</a:t>
+            </a:r>
+            <a:r>
+              <a:rPr dirty="0"/>
+              <a:t> </a:t>
+            </a:r>
+            <a:r>
+              <a:rPr dirty="0" err="1"/>
+              <a:t>navn</a:t>
+            </a:r>
+            <a:r>
+              <a:rPr dirty="0"/>
+              <a:t> </a:t>
+            </a:r>
+            <a:r>
+              <a:rPr dirty="0" err="1"/>
+              <a:t>på</a:t>
+            </a:r>
+            <a:r>
+              <a:rPr dirty="0"/>
+              <a:t> </a:t>
+            </a:r>
+            <a:r>
+              <a:rPr dirty="0" err="1"/>
+              <a:t>en</a:t>
+            </a:r>
+            <a:r>
+              <a:rPr dirty="0"/>
+              <a:t> hund”</a:t>
             </a:r>
           </a:p>
         </p:txBody>
@@ -27069,23 +27070,148 @@
           <a:bodyPr/>
           <a:lstStyle/>
           <a:p>
+            <a:pPr marL="0" indent="0">
+              <a:buNone/>
+            </a:pPr>
+            <a:endParaRPr dirty="0"/>
+          </a:p>
+          <a:p>
             <a:r>
-              <a:t>--------------------</a:t>
+              <a:rPr dirty="0"/>
+              <a:t>- </a:t>
+            </a:r>
+            <a:r>
+              <a:rPr dirty="0" err="1"/>
+              <a:t>Vær</a:t>
+            </a:r>
+            <a:r>
+              <a:rPr dirty="0"/>
+              <a:t> </a:t>
+            </a:r>
+            <a:r>
+              <a:rPr dirty="0" err="1"/>
+              <a:t>tydelig</a:t>
+            </a:r>
+            <a:r>
+              <a:rPr dirty="0"/>
+              <a:t> </a:t>
+            </a:r>
+            <a:r>
+              <a:rPr dirty="0" err="1"/>
+              <a:t>i</a:t>
+            </a:r>
+            <a:r>
+              <a:rPr dirty="0"/>
+              <a:t> </a:t>
+            </a:r>
+            <a:r>
+              <a:rPr dirty="0" err="1"/>
+              <a:t>spørsmålene</a:t>
+            </a:r>
+            <a:r>
+              <a:rPr dirty="0"/>
+              <a:t> dine</a:t>
             </a:r>
           </a:p>
           <a:p>
             <a:r>
-              <a:t>- Vær tydelig i spørsmålene dine</a:t>
+              <a:rPr dirty="0"/>
+              <a:t>- Du </a:t>
             </a:r>
+            <a:r>
+              <a:rPr dirty="0" err="1"/>
+              <a:t>kan</a:t>
+            </a:r>
+            <a:r>
+              <a:rPr dirty="0"/>
+              <a:t> </a:t>
+            </a:r>
+            <a:r>
+              <a:rPr dirty="0" err="1"/>
+              <a:t>spesifisere</a:t>
+            </a:r>
+            <a:r>
+              <a:rPr dirty="0"/>
+              <a:t> </a:t>
+            </a:r>
+            <a:r>
+              <a:rPr dirty="0" err="1"/>
+              <a:t>stil</a:t>
+            </a:r>
+            <a:r>
+              <a:rPr dirty="0"/>
+              <a:t>, </a:t>
+            </a:r>
+            <a:r>
+              <a:rPr dirty="0" err="1"/>
+              <a:t>språk</a:t>
+            </a:r>
+            <a:r>
+              <a:rPr dirty="0"/>
+              <a:t>, tone </a:t>
+            </a:r>
+            <a:r>
+              <a:rPr dirty="0" err="1"/>
+              <a:t>eller</a:t>
+            </a:r>
+            <a:r>
+              <a:rPr dirty="0"/>
+              <a:t> </a:t>
+            </a:r>
+            <a:r>
+              <a:rPr dirty="0" err="1"/>
+              <a:t>målgruppe</a:t>
+            </a:r>
+            <a:endParaRPr dirty="0"/>
           </a:p>
           <a:p>
             <a:r>
-              <a:t>- Du kan spesifisere stil, språk, tone eller målgruppe</a:t>
+              <a:rPr dirty="0" err="1"/>
+              <a:t>f.eks</a:t>
             </a:r>
-          </a:p>
-          <a:p>
             <a:r>
-              <a:t>f.eks. “Skriv en kort, morsom Instagram-tekst”</a:t>
+              <a:rPr dirty="0"/>
+              <a:t>. “</a:t>
+            </a:r>
+            <a:r>
+              <a:rPr dirty="0" err="1"/>
+              <a:t>Skriv</a:t>
+            </a:r>
+            <a:r>
+              <a:rPr dirty="0"/>
+              <a:t> </a:t>
+            </a:r>
+            <a:r>
+              <a:rPr dirty="0" err="1"/>
+              <a:t>en</a:t>
+            </a:r>
+            <a:r>
+              <a:rPr dirty="0"/>
+              <a:t> </a:t>
+            </a:r>
+            <a:r>
+              <a:rPr dirty="0" err="1"/>
+              <a:t>kort</a:t>
+            </a:r>
+            <a:r>
+              <a:rPr dirty="0"/>
+              <a:t>, </a:t>
+            </a:r>
+            <a:r>
+              <a:rPr dirty="0" err="1"/>
+              <a:t>morsom</a:t>
+            </a:r>
+            <a:r>
+              <a:rPr dirty="0"/>
+              <a:t> Instagram-</a:t>
+            </a:r>
+            <a:r>
+              <a:rPr dirty="0" err="1"/>
+              <a:t>tekst</a:t>
+            </a:r>
+            <a:r>
+              <a:rPr dirty="0"/>
+              <a:t>”</a:t>
             </a:r>
           </a:p>
         </p:txBody>
@@ -27151,13 +27277,123 @@
           <a:bodyPr/>
           <a:lstStyle/>
           <a:p>
-            <a:r>
-              <a:t>--------</a:t>
-            </a:r>
+            <a:pPr marL="0" indent="0">
+              <a:buNone/>
+            </a:pPr>
+            <a:endParaRPr dirty="0"/>
           </a:p>
           <a:p>
             <a:r>
-              <a:t>Prøv å stille 3 spørsmål i ChatGPT og se hvordan den svarer. Test både fakta, kreativitet og hjelp til tekst.</a:t>
+              <a:rPr dirty="0" err="1"/>
+              <a:t>Prøv</a:t>
+            </a:r>
+            <a:r>
+              <a:rPr dirty="0"/>
+              <a:t> å </a:t>
+            </a:r>
+            <a:r>
+              <a:rPr dirty="0" err="1"/>
+              <a:t>stille</a:t>
+            </a:r>
+            <a:r>
+              <a:rPr dirty="0"/>
+              <a:t> 3 </a:t>
+            </a:r>
+            <a:r>
+              <a:rPr dirty="0" err="1"/>
+              <a:t>spørsmål</a:t>
+            </a:r>
+            <a:r>
+              <a:rPr dirty="0"/>
+              <a:t> </a:t>
+            </a:r>
+            <a:r>
+              <a:rPr dirty="0" err="1"/>
+              <a:t>i</a:t>
+            </a:r>
+            <a:r>
+              <a:rPr dirty="0"/>
+              <a:t> ChatGPT </a:t>
+            </a:r>
+            <a:r>
+              <a:rPr dirty="0" err="1"/>
+              <a:t>og</a:t>
+            </a:r>
+            <a:r>
+              <a:rPr dirty="0"/>
+              <a:t> se </a:t>
+            </a:r>
+            <a:r>
+              <a:rPr dirty="0" err="1"/>
+              <a:t>hvordan</a:t>
+            </a:r>
+            <a:r>
+              <a:rPr dirty="0"/>
+              <a:t> den </a:t>
+            </a:r>
+            <a:r>
+              <a:rPr dirty="0" err="1"/>
+              <a:t>svarer</a:t>
+            </a:r>
+            <a:r>
+              <a:rPr dirty="0"/>
+              <a:t>. Test </a:t>
+            </a:r>
+            <a:r>
+              <a:rPr dirty="0" err="1"/>
+              <a:t>både</a:t>
+            </a:r>
+            <a:r>
+              <a:rPr dirty="0"/>
+              <a:t> </a:t>
+            </a:r>
+            <a:r>
+              <a:rPr dirty="0" err="1"/>
+              <a:t>fakta</a:t>
+            </a:r>
+            <a:r>
+              <a:rPr dirty="0"/>
+              <a:t>, </a:t>
+            </a:r>
+            <a:r>
+              <a:rPr dirty="0" err="1"/>
+              <a:t>kreativitet</a:t>
+            </a:r>
+            <a:r>
+              <a:rPr dirty="0"/>
+              <a:t> </a:t>
+            </a:r>
+            <a:r>
+              <a:rPr dirty="0" err="1"/>
+              <a:t>og</a:t>
+            </a:r>
+            <a:r>
+              <a:rPr dirty="0"/>
+              <a:t> </a:t>
+            </a:r>
+            <a:r>
+              <a:rPr dirty="0" err="1"/>
+              <a:t>hjelp</a:t>
+            </a:r>
+            <a:r>
+              <a:rPr dirty="0"/>
+              <a:t> </a:t>
+            </a:r>
+            <a:r>
+              <a:rPr dirty="0" err="1"/>
+              <a:t>til</a:t>
+            </a:r>
+            <a:r>
+              <a:rPr dirty="0"/>
+              <a:t> </a:t>
+            </a:r>
+            <a:r>
+              <a:rPr dirty="0" err="1"/>
+              <a:t>tekst</a:t>
+            </a:r>
+            <a:r>
+              <a:rPr dirty="0"/>
+              <a:t>.</a:t>
             </a:r>
           </a:p>
         </p:txBody>
